--- a/ai-devops-demo-presentation.pptx
+++ b/ai-devops-demo-presentation.pptx
@@ -11,8 +11,9 @@
     <p:sldId id="259" r:id="rId5"/>
     <p:sldId id="260" r:id="rId6"/>
     <p:sldId id="261" r:id="rId7"/>
-    <p:sldId id="262" r:id="rId8"/>
-    <p:sldId id="263" r:id="rId9"/>
+    <p:sldId id="264" r:id="rId8"/>
+    <p:sldId id="262" r:id="rId9"/>
+    <p:sldId id="263" r:id="rId10"/>
   </p:sldIdLst>
   <p:sldSz cx="12192000" cy="6858000"/>
   <p:notesSz cx="6858000" cy="9144000"/>
@@ -111,6 +112,11 @@
       </a:defRPr>
     </a:lvl9pPr>
   </p:defaultTextStyle>
+  <p:extLst>
+    <p:ext uri="{EFAFB233-063F-42B5-8137-9DF3F51BA10A}">
+      <p15:sldGuideLst xmlns:p15="http://schemas.microsoft.com/office/powerpoint/2012/main"/>
+    </p:ext>
+  </p:extLst>
 </p:presentation>
 </file>
 
@@ -170,6 +176,13 @@
             <a:schemeClr val="lt1"/>
           </a:fontRef>
         </p:style>
+        <p:txBody>
+          <a:bodyPr/>
+          <a:lstStyle/>
+          <a:p>
+            <a:endParaRPr lang="en-CR"/>
+          </a:p>
+        </p:txBody>
       </p:sp>
       <p:sp>
         <p:nvSpPr>
@@ -208,6 +221,13 @@
             <a:schemeClr val="lt1"/>
           </a:fontRef>
         </p:style>
+        <p:txBody>
+          <a:bodyPr/>
+          <a:lstStyle/>
+          <a:p>
+            <a:endParaRPr lang="en-CR"/>
+          </a:p>
+        </p:txBody>
       </p:sp>
       <p:sp>
         <p:nvSpPr>
@@ -430,6 +450,9 @@
   <p:clrMapOvr>
     <a:masterClrMapping/>
   </p:clrMapOvr>
+  <p:transition spd="slow">
+    <p:cover/>
+  </p:transition>
 </p:sldLayout>
 </file>
 
@@ -724,6 +747,9 @@
   <p:clrMapOvr>
     <a:masterClrMapping/>
   </p:clrMapOvr>
+  <p:transition spd="slow">
+    <p:cover/>
+  </p:transition>
 </p:sldLayout>
 </file>
 
@@ -1027,6 +1053,9 @@
   <p:clrMapOvr>
     <a:masterClrMapping/>
   </p:clrMapOvr>
+  <p:transition spd="slow">
+    <p:cover/>
+  </p:transition>
 </p:sldLayout>
 </file>
 
@@ -1223,6 +1252,9 @@
   <p:clrMapOvr>
     <a:masterClrMapping/>
   </p:clrMapOvr>
+  <p:transition spd="slow">
+    <p:cover/>
+  </p:transition>
 </p:sldLayout>
 </file>
 
@@ -1512,6 +1544,9 @@
   <p:clrMapOvr>
     <a:masterClrMapping/>
   </p:clrMapOvr>
+  <p:transition spd="slow">
+    <p:cover/>
+  </p:transition>
 </p:sldLayout>
 </file>
 
@@ -1879,6 +1914,9 @@
   <p:clrMapOvr>
     <a:masterClrMapping/>
   </p:clrMapOvr>
+  <p:transition spd="slow">
+    <p:cover/>
+  </p:transition>
 </p:sldLayout>
 </file>
 
@@ -2235,6 +2273,9 @@
   <p:clrMapOvr>
     <a:masterClrMapping/>
   </p:clrMapOvr>
+  <p:transition spd="slow">
+    <p:cover/>
+  </p:transition>
 </p:sldLayout>
 </file>
 
@@ -2739,6 +2780,9 @@
   <p:clrMapOvr>
     <a:masterClrMapping/>
   </p:clrMapOvr>
+  <p:transition spd="slow">
+    <p:cover/>
+  </p:transition>
 </p:sldLayout>
 </file>
 
@@ -2976,6 +3020,9 @@
   <p:clrMapOvr>
     <a:masterClrMapping/>
   </p:clrMapOvr>
+  <p:transition spd="slow">
+    <p:cover/>
+  </p:transition>
 </p:sldLayout>
 </file>
 
@@ -3149,6 +3196,9 @@
   <p:clrMapOvr>
     <a:masterClrMapping/>
   </p:clrMapOvr>
+  <p:transition spd="slow">
+    <p:cover/>
+  </p:transition>
 </p:sldLayout>
 </file>
 
@@ -3519,6 +3569,9 @@
   <p:clrMapOvr>
     <a:masterClrMapping/>
   </p:clrMapOvr>
+  <p:transition spd="slow">
+    <p:cover/>
+  </p:transition>
 </p:sldLayout>
 </file>
 
@@ -3923,6 +3976,9 @@
   <p:clrMapOvr>
     <a:masterClrMapping/>
   </p:clrMapOvr>
+  <p:transition spd="slow">
+    <p:cover/>
+  </p:transition>
 </p:sldLayout>
 </file>
 
@@ -4045,6 +4101,13 @@
             <a:schemeClr val="lt1"/>
           </a:fontRef>
         </p:style>
+        <p:txBody>
+          <a:bodyPr/>
+          <a:lstStyle/>
+          <a:p>
+            <a:endParaRPr lang="en-CR"/>
+          </a:p>
+        </p:txBody>
       </p:sp>
       <p:sp>
         <p:nvSpPr>
@@ -4300,6 +4363,13 @@
             <a:schemeClr val="lt1"/>
           </a:fontRef>
         </p:style>
+        <p:txBody>
+          <a:bodyPr/>
+          <a:lstStyle/>
+          <a:p>
+            <a:endParaRPr lang="en-CR"/>
+          </a:p>
+        </p:txBody>
       </p:sp>
     </p:spTree>
     <p:extLst>
@@ -4323,6 +4393,9 @@
     <p:sldLayoutId id="2147483680" r:id="rId11"/>
     <p:sldLayoutId id="2147483681" r:id="rId12"/>
   </p:sldLayoutIdLst>
+  <p:transition spd="slow">
+    <p:cover/>
+  </p:transition>
   <p:txStyles>
     <p:titleStyle>
       <a:lvl1pPr algn="r" defTabSz="914400" rtl="0" eaLnBrk="1" latinLnBrk="0" hangingPunct="1">
@@ -4783,6 +4856,9 @@
   <p:clrMapOvr>
     <a:masterClrMapping/>
   </p:clrMapOvr>
+  <p:transition spd="slow">
+    <p:cover/>
+  </p:transition>
 </p:sld>
 </file>
 
@@ -4895,6 +4971,9 @@
   <p:clrMapOvr>
     <a:masterClrMapping/>
   </p:clrMapOvr>
+  <p:transition spd="slow">
+    <p:cover/>
+  </p:transition>
 </p:sld>
 </file>
 
@@ -5260,6 +5339,9 @@
   <p:clrMapOvr>
     <a:masterClrMapping/>
   </p:clrMapOvr>
+  <p:transition spd="slow">
+    <p:cover/>
+  </p:transition>
 </p:sld>
 </file>
 
@@ -5635,6 +5717,9 @@
   <p:clrMapOvr>
     <a:masterClrMapping/>
   </p:clrMapOvr>
+  <p:transition spd="slow">
+    <p:cover/>
+  </p:transition>
 </p:sld>
 </file>
 
@@ -5949,6 +6034,9 @@
   <p:clrMapOvr>
     <a:masterClrMapping/>
   </p:clrMapOvr>
+  <p:transition spd="slow">
+    <p:cover/>
+  </p:transition>
 </p:sld>
 </file>
 
@@ -6252,10 +6340,1218 @@
   <p:clrMapOvr>
     <a:masterClrMapping/>
   </p:clrMapOvr>
+  <p:transition spd="slow">
+    <p:cover/>
+  </p:transition>
 </p:sld>
 </file>
 
 <file path=ppt/slides/slide7.xml><?xml version="1.0" encoding="utf-8"?>
+<p:sld xmlns:a="http://schemas.openxmlformats.org/drawingml/2006/main" xmlns:r="http://schemas.openxmlformats.org/officeDocument/2006/relationships" xmlns:p="http://schemas.openxmlformats.org/presentationml/2006/main">
+  <p:cSld>
+    <p:bg>
+      <p:bgPr>
+        <a:blipFill rotWithShape="1">
+          <a:blip r:embed="rId2"/>
+          <a:stretch/>
+        </a:blipFill>
+        <a:effectLst/>
+      </p:bgPr>
+    </p:bg>
+    <p:spTree>
+      <p:nvGrpSpPr>
+        <p:cNvPr id="1" name=""/>
+        <p:cNvGrpSpPr/>
+        <p:nvPr/>
+      </p:nvGrpSpPr>
+      <p:grpSpPr>
+        <a:xfrm>
+          <a:off x="0" y="0"/>
+          <a:ext cx="0" cy="0"/>
+          <a:chOff x="0" y="0"/>
+          <a:chExt cx="0" cy="0"/>
+        </a:xfrm>
+      </p:grpSpPr>
+      <p:sp useBgFill="1">
+        <p:nvSpPr>
+          <p:cNvPr id="9" name="Rectangle 8">
+            <a:extLst>
+              <a:ext uri="{FF2B5EF4-FFF2-40B4-BE49-F238E27FC236}">
+                <a16:creationId xmlns:a16="http://schemas.microsoft.com/office/drawing/2014/main" id="{9B0F3308-12C4-4DD7-ABB4-D0DFAA3CF6DE}"/>
+              </a:ext>
+              <a:ext uri="{C183D7F6-B498-43B3-948B-1728B52AA6E4}">
+                <adec:decorative xmlns:adec="http://schemas.microsoft.com/office/drawing/2017/decorative" val="1"/>
+              </a:ext>
+            </a:extLst>
+          </p:cNvPr>
+          <p:cNvSpPr>
+            <a:spLocks noGrp="1" noRot="1" noChangeAspect="1" noMove="1" noResize="1" noEditPoints="1" noAdjustHandles="1" noChangeArrowheads="1" noChangeShapeType="1" noTextEdit="1"/>
+          </p:cNvSpPr>
+          <p:nvPr>
+            <p:extLst>
+              <p:ext uri="{386F3935-93C4-4BCD-93E2-E3B085C9AB24}">
+                <p16:designElem xmlns:p16="http://schemas.microsoft.com/office/powerpoint/2015/main" val="1"/>
+              </p:ext>
+            </p:extLst>
+          </p:nvPr>
+        </p:nvSpPr>
+        <p:spPr>
+          <a:xfrm>
+            <a:off x="0" y="0"/>
+            <a:ext cx="12189867" cy="6855282"/>
+          </a:xfrm>
+          <a:prstGeom prst="rect">
+            <a:avLst/>
+          </a:prstGeom>
+          <a:ln>
+            <a:noFill/>
+          </a:ln>
+        </p:spPr>
+        <p:style>
+          <a:lnRef idx="2">
+            <a:schemeClr val="accent1">
+              <a:shade val="50000"/>
+            </a:schemeClr>
+          </a:lnRef>
+          <a:fillRef idx="1">
+            <a:schemeClr val="accent1"/>
+          </a:fillRef>
+          <a:effectRef idx="0">
+            <a:schemeClr val="accent1"/>
+          </a:effectRef>
+          <a:fontRef idx="minor">
+            <a:schemeClr val="lt1"/>
+          </a:fontRef>
+        </p:style>
+        <p:txBody>
+          <a:bodyPr rtlCol="0" anchor="ctr"/>
+          <a:lstStyle/>
+          <a:p>
+            <a:pPr algn="ctr"/>
+            <a:endParaRPr lang="en-US"/>
+          </a:p>
+        </p:txBody>
+      </p:sp>
+      <p:pic>
+        <p:nvPicPr>
+          <p:cNvPr id="11" name="Picture 10">
+            <a:extLst>
+              <a:ext uri="{FF2B5EF4-FFF2-40B4-BE49-F238E27FC236}">
+                <a16:creationId xmlns:a16="http://schemas.microsoft.com/office/drawing/2014/main" id="{6A24046D-AAB6-4470-AC22-6448D576E5B5}"/>
+              </a:ext>
+              <a:ext uri="{C183D7F6-B498-43B3-948B-1728B52AA6E4}">
+                <adec:decorative xmlns:adec="http://schemas.microsoft.com/office/drawing/2017/decorative" val="1"/>
+              </a:ext>
+            </a:extLst>
+          </p:cNvPr>
+          <p:cNvPicPr>
+            <a:picLocks noGrp="1" noRot="1" noChangeAspect="1" noMove="1" noResize="1" noEditPoints="1" noAdjustHandles="1" noChangeArrowheads="1" noChangeShapeType="1" noCrop="1"/>
+          </p:cNvPicPr>
+          <p:nvPr>
+            <p:extLst>
+              <p:ext uri="{386F3935-93C4-4BCD-93E2-E3B085C9AB24}">
+                <p16:designElem xmlns:p16="http://schemas.microsoft.com/office/powerpoint/2015/main" val="1"/>
+              </p:ext>
+            </p:extLst>
+          </p:nvPr>
+        </p:nvPicPr>
+        <p:blipFill>
+          <a:blip r:embed="rId3">
+            <a:extLst>
+              <a:ext uri="{28A0092B-C50C-407E-A947-70E740481C1C}">
+                <a14:useLocalDpi xmlns:a14="http://schemas.microsoft.com/office/drawing/2010/main" val="0"/>
+              </a:ext>
+            </a:extLst>
+          </a:blip>
+          <a:stretch>
+            <a:fillRect/>
+          </a:stretch>
+        </p:blipFill>
+        <p:spPr>
+          <a:xfrm>
+            <a:off x="2831794" y="2105202"/>
+            <a:ext cx="9360205" cy="4752798"/>
+          </a:xfrm>
+          <a:prstGeom prst="rect">
+            <a:avLst/>
+          </a:prstGeom>
+        </p:spPr>
+      </p:pic>
+      <p:pic>
+        <p:nvPicPr>
+          <p:cNvPr id="13" name="Picture 12">
+            <a:extLst>
+              <a:ext uri="{FF2B5EF4-FFF2-40B4-BE49-F238E27FC236}">
+                <a16:creationId xmlns:a16="http://schemas.microsoft.com/office/drawing/2014/main" id="{211A0A85-392D-49DA-B9EC-82262B3B9614}"/>
+              </a:ext>
+              <a:ext uri="{C183D7F6-B498-43B3-948B-1728B52AA6E4}">
+                <adec:decorative xmlns:adec="http://schemas.microsoft.com/office/drawing/2017/decorative" val="1"/>
+              </a:ext>
+            </a:extLst>
+          </p:cNvPr>
+          <p:cNvPicPr>
+            <a:picLocks noGrp="1" noRot="1" noChangeAspect="1" noMove="1" noResize="1" noEditPoints="1" noAdjustHandles="1" noChangeArrowheads="1" noChangeShapeType="1" noCrop="1"/>
+          </p:cNvPicPr>
+          <p:nvPr>
+            <p:extLst>
+              <p:ext uri="{386F3935-93C4-4BCD-93E2-E3B085C9AB24}">
+                <p16:designElem xmlns:p16="http://schemas.microsoft.com/office/powerpoint/2015/main" val="1"/>
+              </p:ext>
+            </p:extLst>
+          </p:nvPr>
+        </p:nvPicPr>
+        <p:blipFill>
+          <a:blip r:embed="rId4">
+            <a:alphaModFix/>
+            <a:extLst>
+              <a:ext uri="{28A0092B-C50C-407E-A947-70E740481C1C}">
+                <a14:useLocalDpi xmlns:a14="http://schemas.microsoft.com/office/drawing/2010/main" val="0"/>
+              </a:ext>
+            </a:extLst>
+          </a:blip>
+          <a:stretch>
+            <a:fillRect/>
+          </a:stretch>
+        </p:blipFill>
+        <p:spPr>
+          <a:xfrm>
+            <a:off x="0" y="0"/>
+            <a:ext cx="12189867" cy="6858000"/>
+          </a:xfrm>
+          <a:prstGeom prst="rect">
+            <a:avLst/>
+          </a:prstGeom>
+        </p:spPr>
+      </p:pic>
+      <p:sp>
+        <p:nvSpPr>
+          <p:cNvPr id="15" name="Rectangle 14">
+            <a:extLst>
+              <a:ext uri="{FF2B5EF4-FFF2-40B4-BE49-F238E27FC236}">
+                <a16:creationId xmlns:a16="http://schemas.microsoft.com/office/drawing/2014/main" id="{73AFD74C-283C-45BD-885B-6E6635E4B3F1}"/>
+              </a:ext>
+              <a:ext uri="{C183D7F6-B498-43B3-948B-1728B52AA6E4}">
+                <adec:decorative xmlns:adec="http://schemas.microsoft.com/office/drawing/2017/decorative" val="1"/>
+              </a:ext>
+            </a:extLst>
+          </p:cNvPr>
+          <p:cNvSpPr>
+            <a:spLocks noGrp="1" noRot="1" noChangeAspect="1" noMove="1" noResize="1" noEditPoints="1" noAdjustHandles="1" noChangeArrowheads="1" noChangeShapeType="1" noTextEdit="1"/>
+          </p:cNvSpPr>
+          <p:nvPr>
+            <p:extLst>
+              <p:ext uri="{386F3935-93C4-4BCD-93E2-E3B085C9AB24}">
+                <p16:designElem xmlns:p16="http://schemas.microsoft.com/office/powerpoint/2015/main" val="1"/>
+              </p:ext>
+            </p:extLst>
+          </p:nvPr>
+        </p:nvSpPr>
+        <p:spPr>
+          <a:xfrm>
+            <a:off x="0" y="0"/>
+            <a:ext cx="964174" cy="6858000"/>
+          </a:xfrm>
+          <a:prstGeom prst="rect">
+            <a:avLst/>
+          </a:prstGeom>
+          <a:solidFill>
+            <a:schemeClr val="bg2"/>
+          </a:solidFill>
+          <a:ln>
+            <a:noFill/>
+          </a:ln>
+        </p:spPr>
+        <p:style>
+          <a:lnRef idx="2">
+            <a:schemeClr val="accent1">
+              <a:shade val="50000"/>
+            </a:schemeClr>
+          </a:lnRef>
+          <a:fillRef idx="1">
+            <a:schemeClr val="accent1"/>
+          </a:fillRef>
+          <a:effectRef idx="0">
+            <a:schemeClr val="accent1"/>
+          </a:effectRef>
+          <a:fontRef idx="minor">
+            <a:schemeClr val="lt1"/>
+          </a:fontRef>
+        </p:style>
+        <p:txBody>
+          <a:bodyPr rtlCol="0" anchor="ctr"/>
+          <a:lstStyle/>
+          <a:p>
+            <a:pPr algn="ctr"/>
+            <a:endParaRPr lang="en-US"/>
+          </a:p>
+        </p:txBody>
+      </p:sp>
+      <p:sp>
+        <p:nvSpPr>
+          <p:cNvPr id="17" name="Rectangle 16">
+            <a:extLst>
+              <a:ext uri="{FF2B5EF4-FFF2-40B4-BE49-F238E27FC236}">
+                <a16:creationId xmlns:a16="http://schemas.microsoft.com/office/drawing/2014/main" id="{CE3DE725-FEB0-422F-BDBA-A29C95768A3F}"/>
+              </a:ext>
+              <a:ext uri="{C183D7F6-B498-43B3-948B-1728B52AA6E4}">
+                <adec:decorative xmlns:adec="http://schemas.microsoft.com/office/drawing/2017/decorative" val="1"/>
+              </a:ext>
+            </a:extLst>
+          </p:cNvPr>
+          <p:cNvSpPr>
+            <a:spLocks noGrp="1" noRot="1" noChangeAspect="1" noMove="1" noResize="1" noEditPoints="1" noAdjustHandles="1" noChangeArrowheads="1" noChangeShapeType="1" noTextEdit="1"/>
+          </p:cNvSpPr>
+          <p:nvPr>
+            <p:extLst>
+              <p:ext uri="{386F3935-93C4-4BCD-93E2-E3B085C9AB24}">
+                <p16:designElem xmlns:p16="http://schemas.microsoft.com/office/powerpoint/2015/main" val="1"/>
+              </p:ext>
+            </p:extLst>
+          </p:nvPr>
+        </p:nvSpPr>
+        <p:spPr>
+          <a:xfrm>
+            <a:off x="962042" y="0"/>
+            <a:ext cx="45719" cy="6858000"/>
+          </a:xfrm>
+          <a:prstGeom prst="rect">
+            <a:avLst/>
+          </a:prstGeom>
+          <a:solidFill>
+            <a:schemeClr val="accent6"/>
+          </a:solidFill>
+          <a:ln>
+            <a:noFill/>
+          </a:ln>
+        </p:spPr>
+        <p:style>
+          <a:lnRef idx="2">
+            <a:schemeClr val="accent1">
+              <a:shade val="50000"/>
+            </a:schemeClr>
+          </a:lnRef>
+          <a:fillRef idx="1">
+            <a:schemeClr val="accent1"/>
+          </a:fillRef>
+          <a:effectRef idx="0">
+            <a:schemeClr val="accent1"/>
+          </a:effectRef>
+          <a:fontRef idx="minor">
+            <a:schemeClr val="lt1"/>
+          </a:fontRef>
+        </p:style>
+        <p:txBody>
+          <a:bodyPr rtlCol="0" anchor="ctr"/>
+          <a:lstStyle/>
+          <a:p>
+            <a:pPr algn="ctr"/>
+            <a:endParaRPr lang="en-US"/>
+          </a:p>
+        </p:txBody>
+      </p:sp>
+      <p:sp>
+        <p:nvSpPr>
+          <p:cNvPr id="19" name="Rectangle 18">
+            <a:extLst>
+              <a:ext uri="{FF2B5EF4-FFF2-40B4-BE49-F238E27FC236}">
+                <a16:creationId xmlns:a16="http://schemas.microsoft.com/office/drawing/2014/main" id="{05058156-257B-4118-BA50-5869C8AF6AD7}"/>
+              </a:ext>
+              <a:ext uri="{C183D7F6-B498-43B3-948B-1728B52AA6E4}">
+                <adec:decorative xmlns:adec="http://schemas.microsoft.com/office/drawing/2017/decorative" val="1"/>
+              </a:ext>
+            </a:extLst>
+          </p:cNvPr>
+          <p:cNvSpPr>
+            <a:spLocks noGrp="1" noRot="1" noChangeAspect="1" noMove="1" noResize="1" noEditPoints="1" noAdjustHandles="1" noChangeArrowheads="1" noChangeShapeType="1" noTextEdit="1"/>
+          </p:cNvSpPr>
+          <p:nvPr>
+            <p:extLst>
+              <p:ext uri="{386F3935-93C4-4BCD-93E2-E3B085C9AB24}">
+                <p16:designElem xmlns:p16="http://schemas.microsoft.com/office/powerpoint/2015/main" val="1"/>
+              </p:ext>
+            </p:extLst>
+          </p:nvPr>
+        </p:nvSpPr>
+        <p:spPr>
+          <a:xfrm>
+            <a:off x="1007533" y="0"/>
+            <a:ext cx="10378001" cy="6858000"/>
+          </a:xfrm>
+          <a:prstGeom prst="rect">
+            <a:avLst/>
+          </a:prstGeom>
+          <a:solidFill>
+            <a:schemeClr val="bg2">
+              <a:alpha val="92000"/>
+            </a:schemeClr>
+          </a:solidFill>
+          <a:ln>
+            <a:noFill/>
+          </a:ln>
+        </p:spPr>
+        <p:style>
+          <a:lnRef idx="2">
+            <a:schemeClr val="accent1">
+              <a:shade val="50000"/>
+            </a:schemeClr>
+          </a:lnRef>
+          <a:fillRef idx="1">
+            <a:schemeClr val="accent1"/>
+          </a:fillRef>
+          <a:effectRef idx="0">
+            <a:schemeClr val="accent1"/>
+          </a:effectRef>
+          <a:fontRef idx="minor">
+            <a:schemeClr val="lt1"/>
+          </a:fontRef>
+        </p:style>
+        <p:txBody>
+          <a:bodyPr rtlCol="0" anchor="ctr"/>
+          <a:lstStyle/>
+          <a:p>
+            <a:pPr algn="ctr"/>
+            <a:endParaRPr lang="en-US"/>
+          </a:p>
+        </p:txBody>
+      </p:sp>
+      <p:sp>
+        <p:nvSpPr>
+          <p:cNvPr id="3" name="Content Placeholder 2">
+            <a:extLst>
+              <a:ext uri="{FF2B5EF4-FFF2-40B4-BE49-F238E27FC236}">
+                <a16:creationId xmlns:a16="http://schemas.microsoft.com/office/drawing/2014/main" id="{D78C90CB-3297-1BAB-2F9A-710EC981B482}"/>
+              </a:ext>
+            </a:extLst>
+          </p:cNvPr>
+          <p:cNvSpPr>
+            <a:spLocks noGrp="1"/>
+          </p:cNvSpPr>
+          <p:nvPr>
+            <p:ph idx="1"/>
+          </p:nvPr>
+        </p:nvSpPr>
+        <p:spPr>
+          <a:xfrm>
+            <a:off x="1213805" y="911318"/>
+            <a:ext cx="3949949" cy="5035364"/>
+          </a:xfrm>
+        </p:spPr>
+        <p:txBody>
+          <a:bodyPr>
+            <a:normAutofit fontScale="85000" lnSpcReduction="20000"/>
+          </a:bodyPr>
+          <a:lstStyle/>
+          <a:p>
+            <a:pPr marL="0" indent="0" algn="just">
+              <a:buNone/>
+            </a:pPr>
+            <a:r>
+              <a:rPr lang="en-US" b="1" dirty="0"/>
+              <a:t>Precision</a:t>
+            </a:r>
+            <a:r>
+              <a:rPr lang="en-US" dirty="0"/>
+              <a:t>: </a:t>
+            </a:r>
+            <a:r>
+              <a:rPr lang="en-US" dirty="0" err="1"/>
+              <a:t>exactitud</a:t>
+            </a:r>
+            <a:r>
+              <a:rPr lang="en-US" dirty="0"/>
+              <a:t> de las </a:t>
+            </a:r>
+            <a:r>
+              <a:rPr lang="en-US" dirty="0" err="1"/>
+              <a:t>predicciones</a:t>
+            </a:r>
+            <a:r>
+              <a:rPr lang="en-US" dirty="0"/>
+              <a:t> </a:t>
+            </a:r>
+            <a:r>
+              <a:rPr lang="en-US" dirty="0" err="1"/>
+              <a:t>positivas</a:t>
+            </a:r>
+            <a:r>
+              <a:rPr lang="en-US" dirty="0"/>
+              <a:t>.</a:t>
+            </a:r>
+          </a:p>
+          <a:p>
+            <a:pPr marL="0" indent="0" algn="just">
+              <a:buNone/>
+            </a:pPr>
+            <a:r>
+              <a:rPr lang="en-US" b="1" dirty="0"/>
+              <a:t>Recall</a:t>
+            </a:r>
+            <a:r>
+              <a:rPr lang="en-US" dirty="0"/>
+              <a:t>: </a:t>
+            </a:r>
+            <a:r>
+              <a:rPr lang="en-US" dirty="0" err="1"/>
+              <a:t>habilidad</a:t>
+            </a:r>
+            <a:r>
+              <a:rPr lang="en-US" dirty="0"/>
+              <a:t> del </a:t>
+            </a:r>
+            <a:r>
+              <a:rPr lang="en-US" dirty="0" err="1"/>
+              <a:t>modelo</a:t>
+            </a:r>
+            <a:r>
+              <a:rPr lang="en-US" dirty="0"/>
+              <a:t> para </a:t>
+            </a:r>
+            <a:r>
+              <a:rPr lang="en-US" dirty="0" err="1"/>
+              <a:t>encontrar</a:t>
+            </a:r>
+            <a:r>
+              <a:rPr lang="en-US" dirty="0"/>
+              <a:t> </a:t>
+            </a:r>
+            <a:r>
+              <a:rPr lang="en-US" dirty="0" err="1"/>
+              <a:t>todos</a:t>
+            </a:r>
+            <a:r>
+              <a:rPr lang="en-US" dirty="0"/>
+              <a:t> </a:t>
+            </a:r>
+            <a:r>
+              <a:rPr lang="en-US" dirty="0" err="1"/>
+              <a:t>los</a:t>
+            </a:r>
+            <a:r>
+              <a:rPr lang="en-US" dirty="0"/>
+              <a:t> </a:t>
+            </a:r>
+            <a:r>
+              <a:rPr lang="en-US" dirty="0" err="1"/>
+              <a:t>positivos</a:t>
+            </a:r>
+            <a:r>
+              <a:rPr lang="en-US" dirty="0"/>
+              <a:t>.</a:t>
+            </a:r>
+          </a:p>
+          <a:p>
+            <a:pPr marL="0" lvl="0" indent="0" algn="just" eaLnBrk="0" fontAlgn="base" hangingPunct="0">
+              <a:lnSpc>
+                <a:spcPct val="100000"/>
+              </a:lnSpc>
+              <a:spcBef>
+                <a:spcPct val="0"/>
+              </a:spcBef>
+              <a:spcAft>
+                <a:spcPct val="0"/>
+              </a:spcAft>
+              <a:buClrTx/>
+              <a:buSzTx/>
+              <a:buNone/>
+            </a:pPr>
+            <a:endParaRPr lang="en-CR" altLang="en-CR" b="1" dirty="0">
+              <a:latin typeface="Arial" panose="020B0604020202020204" pitchFamily="34" charset="0"/>
+            </a:endParaRPr>
+          </a:p>
+          <a:p>
+            <a:pPr marL="0" lvl="0" indent="0" algn="just" eaLnBrk="0" fontAlgn="base" hangingPunct="0">
+              <a:lnSpc>
+                <a:spcPct val="100000"/>
+              </a:lnSpc>
+              <a:spcBef>
+                <a:spcPct val="0"/>
+              </a:spcBef>
+              <a:spcAft>
+                <a:spcPct val="0"/>
+              </a:spcAft>
+              <a:buClrTx/>
+              <a:buSzTx/>
+              <a:buNone/>
+            </a:pPr>
+            <a:r>
+              <a:rPr lang="en-CR" altLang="en-CR" b="1" dirty="0">
+                <a:latin typeface="Arial" panose="020B0604020202020204" pitchFamily="34" charset="0"/>
+              </a:rPr>
+              <a:t>F1-score</a:t>
+            </a:r>
+            <a:r>
+              <a:rPr lang="en-CR" altLang="en-CR" dirty="0">
+                <a:latin typeface="Arial" panose="020B0604020202020204" pitchFamily="34" charset="0"/>
+              </a:rPr>
+              <a:t>: balance entre precision y recall.</a:t>
+            </a:r>
+          </a:p>
+          <a:p>
+            <a:pPr marL="0" lvl="0" indent="0" algn="just" eaLnBrk="0" fontAlgn="base" hangingPunct="0">
+              <a:lnSpc>
+                <a:spcPct val="100000"/>
+              </a:lnSpc>
+              <a:spcBef>
+                <a:spcPct val="0"/>
+              </a:spcBef>
+              <a:spcAft>
+                <a:spcPct val="0"/>
+              </a:spcAft>
+              <a:buClrTx/>
+              <a:buSzTx/>
+              <a:buNone/>
+            </a:pPr>
+            <a:endParaRPr lang="en-CR" altLang="en-CR" b="1" dirty="0">
+              <a:latin typeface="Arial" panose="020B0604020202020204" pitchFamily="34" charset="0"/>
+            </a:endParaRPr>
+          </a:p>
+          <a:p>
+            <a:pPr marL="0" lvl="0" indent="0" algn="just" eaLnBrk="0" fontAlgn="base" hangingPunct="0">
+              <a:lnSpc>
+                <a:spcPct val="100000"/>
+              </a:lnSpc>
+              <a:spcBef>
+                <a:spcPct val="0"/>
+              </a:spcBef>
+              <a:spcAft>
+                <a:spcPct val="0"/>
+              </a:spcAft>
+              <a:buClrTx/>
+              <a:buSzTx/>
+              <a:buNone/>
+            </a:pPr>
+            <a:r>
+              <a:rPr lang="en-CR" altLang="en-CR" b="1" dirty="0">
+                <a:latin typeface="Arial" panose="020B0604020202020204" pitchFamily="34" charset="0"/>
+              </a:rPr>
+              <a:t>Accuracy</a:t>
+            </a:r>
+            <a:r>
+              <a:rPr lang="en-CR" altLang="en-CR" dirty="0">
+                <a:latin typeface="Arial" panose="020B0604020202020204" pitchFamily="34" charset="0"/>
+              </a:rPr>
+              <a:t>: proporción de predicciones correctas en total.</a:t>
+            </a:r>
+          </a:p>
+          <a:p>
+            <a:pPr marL="0" indent="0" algn="just">
+              <a:buNone/>
+            </a:pPr>
+            <a:endParaRPr lang="en-US" dirty="0"/>
+          </a:p>
+          <a:p>
+            <a:pPr marL="0" indent="0" algn="just">
+              <a:buNone/>
+            </a:pPr>
+            <a:endParaRPr lang="en-US" dirty="0"/>
+          </a:p>
+          <a:p>
+            <a:pPr marL="0" indent="0" algn="just">
+              <a:buNone/>
+            </a:pPr>
+            <a:r>
+              <a:rPr lang="en-US" b="1" dirty="0"/>
+              <a:t>Alta precision </a:t>
+            </a:r>
+            <a:r>
+              <a:rPr lang="en-US" dirty="0"/>
+              <a:t>-&gt; </a:t>
+            </a:r>
+            <a:r>
+              <a:rPr lang="en-US" dirty="0" err="1"/>
+              <a:t>menos</a:t>
+            </a:r>
+            <a:r>
+              <a:rPr lang="en-US" dirty="0"/>
+              <a:t> </a:t>
+            </a:r>
+            <a:r>
+              <a:rPr lang="en-US" i="1" dirty="0" err="1"/>
+              <a:t>falsos</a:t>
+            </a:r>
+            <a:r>
+              <a:rPr lang="en-US" i="1" dirty="0"/>
+              <a:t> </a:t>
+            </a:r>
+            <a:r>
+              <a:rPr lang="en-US" i="1" dirty="0" err="1"/>
+              <a:t>positivos</a:t>
+            </a:r>
+            <a:r>
+              <a:rPr lang="en-US" dirty="0"/>
+              <a:t>.</a:t>
+            </a:r>
+          </a:p>
+          <a:p>
+            <a:pPr marL="0" indent="0" algn="just">
+              <a:buNone/>
+            </a:pPr>
+            <a:r>
+              <a:rPr lang="en-US" b="1" dirty="0"/>
+              <a:t>Alto recall </a:t>
+            </a:r>
+            <a:r>
+              <a:rPr lang="en-US" dirty="0"/>
+              <a:t>-&gt; </a:t>
+            </a:r>
+            <a:r>
+              <a:rPr lang="en-US" dirty="0" err="1"/>
+              <a:t>menos</a:t>
+            </a:r>
+            <a:r>
+              <a:rPr lang="en-US" dirty="0"/>
+              <a:t> </a:t>
+            </a:r>
+            <a:r>
+              <a:rPr lang="en-US" i="1" dirty="0" err="1"/>
+              <a:t>falsos</a:t>
+            </a:r>
+            <a:r>
+              <a:rPr lang="en-US" i="1" dirty="0"/>
+              <a:t> </a:t>
+            </a:r>
+            <a:r>
+              <a:rPr lang="en-US" i="1" dirty="0" err="1"/>
+              <a:t>negativos</a:t>
+            </a:r>
+            <a:r>
+              <a:rPr lang="en-US" i="1" dirty="0"/>
+              <a:t>.</a:t>
+            </a:r>
+          </a:p>
+        </p:txBody>
+      </p:sp>
+      <p:pic>
+        <p:nvPicPr>
+          <p:cNvPr id="4" name="Picture 3" descr="A screenshot of a computer screen&#10;&#10;AI-generated content may be incorrect.">
+            <a:extLst>
+              <a:ext uri="{FF2B5EF4-FFF2-40B4-BE49-F238E27FC236}">
+                <a16:creationId xmlns:a16="http://schemas.microsoft.com/office/drawing/2014/main" id="{82F89D49-6F4A-459A-0976-1D3A421397A0}"/>
+              </a:ext>
+            </a:extLst>
+          </p:cNvPr>
+          <p:cNvPicPr>
+            <a:picLocks noChangeAspect="1"/>
+          </p:cNvPicPr>
+          <p:nvPr/>
+        </p:nvPicPr>
+        <p:blipFill>
+          <a:blip r:embed="rId5"/>
+          <a:stretch>
+            <a:fillRect/>
+          </a:stretch>
+        </p:blipFill>
+        <p:spPr>
+          <a:xfrm>
+            <a:off x="5429755" y="1273996"/>
+            <a:ext cx="5689778" cy="4310007"/>
+          </a:xfrm>
+          <a:prstGeom prst="rect">
+            <a:avLst/>
+          </a:prstGeom>
+          <a:ln>
+            <a:gradFill flip="none" rotWithShape="1">
+              <a:gsLst>
+                <a:gs pos="86000">
+                  <a:schemeClr val="accent6">
+                    <a:lumMod val="67000"/>
+                  </a:schemeClr>
+                </a:gs>
+                <a:gs pos="20000">
+                  <a:schemeClr val="accent6">
+                    <a:lumMod val="97000"/>
+                    <a:lumOff val="3000"/>
+                  </a:schemeClr>
+                </a:gs>
+                <a:gs pos="100000">
+                  <a:schemeClr val="accent6">
+                    <a:lumMod val="60000"/>
+                    <a:lumOff val="40000"/>
+                  </a:schemeClr>
+                </a:gs>
+              </a:gsLst>
+              <a:lin ang="16200000" scaled="1"/>
+              <a:tileRect/>
+            </a:gradFill>
+          </a:ln>
+          <a:effectLst>
+            <a:innerShdw blurRad="127000">
+              <a:prstClr val="black">
+                <a:alpha val="90000"/>
+              </a:prstClr>
+            </a:innerShdw>
+          </a:effectLst>
+        </p:spPr>
+      </p:pic>
+      <p:sp>
+        <p:nvSpPr>
+          <p:cNvPr id="21" name="Rectangle 20">
+            <a:extLst>
+              <a:ext uri="{FF2B5EF4-FFF2-40B4-BE49-F238E27FC236}">
+                <a16:creationId xmlns:a16="http://schemas.microsoft.com/office/drawing/2014/main" id="{D23B4D99-FEA8-489A-8436-A2F113BE1B6E}"/>
+              </a:ext>
+              <a:ext uri="{C183D7F6-B498-43B3-948B-1728B52AA6E4}">
+                <adec:decorative xmlns:adec="http://schemas.microsoft.com/office/drawing/2017/decorative" val="1"/>
+              </a:ext>
+            </a:extLst>
+          </p:cNvPr>
+          <p:cNvSpPr>
+            <a:spLocks noGrp="1" noRot="1" noChangeAspect="1" noMove="1" noResize="1" noEditPoints="1" noAdjustHandles="1" noChangeArrowheads="1" noChangeShapeType="1" noTextEdit="1"/>
+          </p:cNvSpPr>
+          <p:nvPr>
+            <p:extLst>
+              <p:ext uri="{386F3935-93C4-4BCD-93E2-E3B085C9AB24}">
+                <p16:designElem xmlns:p16="http://schemas.microsoft.com/office/powerpoint/2015/main" val="1"/>
+              </p:ext>
+            </p:extLst>
+          </p:nvPr>
+        </p:nvSpPr>
+        <p:spPr>
+          <a:xfrm>
+            <a:off x="11387666" y="-2718"/>
+            <a:ext cx="27432" cy="6858000"/>
+          </a:xfrm>
+          <a:prstGeom prst="rect">
+            <a:avLst/>
+          </a:prstGeom>
+          <a:solidFill>
+            <a:schemeClr val="accent6"/>
+          </a:solidFill>
+          <a:ln>
+            <a:noFill/>
+          </a:ln>
+        </p:spPr>
+        <p:style>
+          <a:lnRef idx="2">
+            <a:schemeClr val="accent1">
+              <a:shade val="50000"/>
+            </a:schemeClr>
+          </a:lnRef>
+          <a:fillRef idx="1">
+            <a:schemeClr val="accent1"/>
+          </a:fillRef>
+          <a:effectRef idx="0">
+            <a:schemeClr val="accent1"/>
+          </a:effectRef>
+          <a:fontRef idx="minor">
+            <a:schemeClr val="lt1"/>
+          </a:fontRef>
+        </p:style>
+        <p:txBody>
+          <a:bodyPr rtlCol="0" anchor="ctr"/>
+          <a:lstStyle/>
+          <a:p>
+            <a:pPr algn="ctr"/>
+            <a:endParaRPr lang="en-US"/>
+          </a:p>
+        </p:txBody>
+      </p:sp>
+      <p:sp>
+        <p:nvSpPr>
+          <p:cNvPr id="5" name="Rounded Rectangular Callout 4">
+            <a:extLst>
+              <a:ext uri="{FF2B5EF4-FFF2-40B4-BE49-F238E27FC236}">
+                <a16:creationId xmlns:a16="http://schemas.microsoft.com/office/drawing/2014/main" id="{1C958303-6AFC-28B2-761C-8DC306FD9451}"/>
+              </a:ext>
+            </a:extLst>
+          </p:cNvPr>
+          <p:cNvSpPr/>
+          <p:nvPr/>
+        </p:nvSpPr>
+        <p:spPr>
+          <a:xfrm>
+            <a:off x="8209710" y="152815"/>
+            <a:ext cx="2909823" cy="1021994"/>
+          </a:xfrm>
+          <a:prstGeom prst="wedgeRoundRectCallout">
+            <a:avLst>
+              <a:gd name="adj1" fmla="val -29911"/>
+              <a:gd name="adj2" fmla="val 73436"/>
+              <a:gd name="adj3" fmla="val 16667"/>
+            </a:avLst>
+          </a:prstGeom>
+        </p:spPr>
+        <p:style>
+          <a:lnRef idx="2">
+            <a:schemeClr val="accent1">
+              <a:shade val="15000"/>
+            </a:schemeClr>
+          </a:lnRef>
+          <a:fillRef idx="1">
+            <a:schemeClr val="accent1"/>
+          </a:fillRef>
+          <a:effectRef idx="0">
+            <a:schemeClr val="accent1"/>
+          </a:effectRef>
+          <a:fontRef idx="minor">
+            <a:schemeClr val="lt1"/>
+          </a:fontRef>
+        </p:style>
+        <p:txBody>
+          <a:bodyPr rtlCol="0" anchor="ctr"/>
+          <a:lstStyle/>
+          <a:p>
+            <a:pPr algn="ctr"/>
+            <a:r>
+              <a:rPr lang="en-US" sz="1700" dirty="0">
+                <a:solidFill>
+                  <a:sysClr val="windowText" lastClr="000000"/>
+                </a:solidFill>
+              </a:rPr>
+              <a:t>de </a:t>
+            </a:r>
+            <a:r>
+              <a:rPr lang="en-US" sz="1700" dirty="0" err="1">
+                <a:solidFill>
+                  <a:sysClr val="windowText" lastClr="000000"/>
+                </a:solidFill>
+              </a:rPr>
+              <a:t>todos</a:t>
+            </a:r>
+            <a:r>
+              <a:rPr lang="en-US" sz="1700" dirty="0">
+                <a:solidFill>
+                  <a:sysClr val="windowText" lastClr="000000"/>
+                </a:solidFill>
+              </a:rPr>
+              <a:t> </a:t>
+            </a:r>
+            <a:r>
+              <a:rPr lang="en-US" sz="1700" dirty="0" err="1">
+                <a:solidFill>
+                  <a:sysClr val="windowText" lastClr="000000"/>
+                </a:solidFill>
+              </a:rPr>
+              <a:t>los</a:t>
+            </a:r>
+            <a:r>
+              <a:rPr lang="en-US" sz="1700" dirty="0">
+                <a:solidFill>
+                  <a:sysClr val="windowText" lastClr="000000"/>
+                </a:solidFill>
+              </a:rPr>
+              <a:t> tests </a:t>
+            </a:r>
+            <a:r>
+              <a:rPr lang="en-US" sz="1700" dirty="0" err="1">
+                <a:solidFill>
+                  <a:sysClr val="windowText" lastClr="000000"/>
+                </a:solidFill>
+              </a:rPr>
+              <a:t>que</a:t>
+            </a:r>
+            <a:r>
+              <a:rPr lang="en-US" sz="1700" dirty="0">
+                <a:solidFill>
+                  <a:sysClr val="windowText" lastClr="000000"/>
+                </a:solidFill>
+              </a:rPr>
+              <a:t> </a:t>
+            </a:r>
+            <a:r>
+              <a:rPr lang="en-US" sz="1700" dirty="0" err="1">
+                <a:solidFill>
+                  <a:sysClr val="windowText" lastClr="000000"/>
+                </a:solidFill>
+              </a:rPr>
+              <a:t>debían</a:t>
+            </a:r>
+            <a:r>
+              <a:rPr lang="en-US" sz="1700" dirty="0">
+                <a:solidFill>
+                  <a:sysClr val="windowText" lastClr="000000"/>
+                </a:solidFill>
+              </a:rPr>
+              <a:t> </a:t>
+            </a:r>
+            <a:r>
+              <a:rPr lang="en-US" sz="1700" dirty="0" err="1">
+                <a:solidFill>
+                  <a:sysClr val="windowText" lastClr="000000"/>
+                </a:solidFill>
+              </a:rPr>
+              <a:t>correrse</a:t>
+            </a:r>
+            <a:r>
+              <a:rPr lang="en-US" sz="1700" dirty="0">
+                <a:solidFill>
+                  <a:sysClr val="windowText" lastClr="000000"/>
+                </a:solidFill>
+              </a:rPr>
+              <a:t>, ¿</a:t>
+            </a:r>
+            <a:r>
+              <a:rPr lang="en-US" sz="1700" dirty="0" err="1">
+                <a:solidFill>
+                  <a:sysClr val="windowText" lastClr="000000"/>
+                </a:solidFill>
+              </a:rPr>
+              <a:t>cuántos</a:t>
+            </a:r>
+            <a:r>
+              <a:rPr lang="en-US" sz="1700" dirty="0">
+                <a:solidFill>
+                  <a:sysClr val="windowText" lastClr="000000"/>
+                </a:solidFill>
+              </a:rPr>
+              <a:t> </a:t>
+            </a:r>
+            <a:r>
+              <a:rPr lang="en-US" sz="1700" dirty="0" err="1">
+                <a:solidFill>
+                  <a:sysClr val="windowText" lastClr="000000"/>
+                </a:solidFill>
+              </a:rPr>
+              <a:t>logré</a:t>
+            </a:r>
+            <a:r>
+              <a:rPr lang="en-US" sz="1700" dirty="0">
+                <a:solidFill>
+                  <a:sysClr val="windowText" lastClr="000000"/>
+                </a:solidFill>
+              </a:rPr>
+              <a:t> </a:t>
+            </a:r>
+            <a:r>
+              <a:rPr lang="en-US" sz="1700" dirty="0" err="1">
+                <a:solidFill>
+                  <a:sysClr val="windowText" lastClr="000000"/>
+                </a:solidFill>
+              </a:rPr>
+              <a:t>seleccionar</a:t>
+            </a:r>
+            <a:r>
+              <a:rPr lang="en-US" sz="1700" dirty="0">
+                <a:solidFill>
+                  <a:sysClr val="windowText" lastClr="000000"/>
+                </a:solidFill>
+              </a:rPr>
+              <a:t>?</a:t>
+            </a:r>
+            <a:endParaRPr lang="en-CR" sz="1700" dirty="0">
+              <a:solidFill>
+                <a:sysClr val="windowText" lastClr="000000"/>
+              </a:solidFill>
+            </a:endParaRPr>
+          </a:p>
+        </p:txBody>
+      </p:sp>
+      <p:sp>
+        <p:nvSpPr>
+          <p:cNvPr id="6" name="Rounded Rectangular Callout 5">
+            <a:extLst>
+              <a:ext uri="{FF2B5EF4-FFF2-40B4-BE49-F238E27FC236}">
+                <a16:creationId xmlns:a16="http://schemas.microsoft.com/office/drawing/2014/main" id="{8AB47179-8F74-E23C-44B9-83530442663D}"/>
+              </a:ext>
+            </a:extLst>
+          </p:cNvPr>
+          <p:cNvSpPr/>
+          <p:nvPr/>
+        </p:nvSpPr>
+        <p:spPr>
+          <a:xfrm>
+            <a:off x="4921669" y="166057"/>
+            <a:ext cx="2909823" cy="1021994"/>
+          </a:xfrm>
+          <a:prstGeom prst="wedgeRoundRectCallout">
+            <a:avLst>
+              <a:gd name="adj1" fmla="val 44111"/>
+              <a:gd name="adj2" fmla="val 75424"/>
+              <a:gd name="adj3" fmla="val 16667"/>
+            </a:avLst>
+          </a:prstGeom>
+        </p:spPr>
+        <p:style>
+          <a:lnRef idx="2">
+            <a:schemeClr val="accent1">
+              <a:shade val="15000"/>
+            </a:schemeClr>
+          </a:lnRef>
+          <a:fillRef idx="1">
+            <a:schemeClr val="accent1"/>
+          </a:fillRef>
+          <a:effectRef idx="0">
+            <a:schemeClr val="accent1"/>
+          </a:effectRef>
+          <a:fontRef idx="minor">
+            <a:schemeClr val="lt1"/>
+          </a:fontRef>
+        </p:style>
+        <p:txBody>
+          <a:bodyPr rtlCol="0" anchor="ctr"/>
+          <a:lstStyle/>
+          <a:p>
+            <a:pPr algn="ctr"/>
+            <a:r>
+              <a:rPr lang="en-US" sz="1600" dirty="0">
+                <a:solidFill>
+                  <a:sysClr val="windowText" lastClr="000000"/>
+                </a:solidFill>
+              </a:rPr>
+              <a:t>de </a:t>
+            </a:r>
+            <a:r>
+              <a:rPr lang="en-US" sz="1600" dirty="0" err="1">
+                <a:solidFill>
+                  <a:sysClr val="windowText" lastClr="000000"/>
+                </a:solidFill>
+              </a:rPr>
+              <a:t>los</a:t>
+            </a:r>
+            <a:r>
+              <a:rPr lang="en-US" sz="1600" dirty="0">
+                <a:solidFill>
+                  <a:sysClr val="windowText" lastClr="000000"/>
+                </a:solidFill>
+              </a:rPr>
+              <a:t> tests </a:t>
+            </a:r>
+            <a:r>
+              <a:rPr lang="en-US" sz="1600" dirty="0" err="1">
+                <a:solidFill>
+                  <a:sysClr val="windowText" lastClr="000000"/>
+                </a:solidFill>
+              </a:rPr>
+              <a:t>que</a:t>
+            </a:r>
+            <a:r>
+              <a:rPr lang="en-US" sz="1600" dirty="0">
+                <a:solidFill>
+                  <a:sysClr val="windowText" lastClr="000000"/>
+                </a:solidFill>
+              </a:rPr>
+              <a:t> </a:t>
+            </a:r>
+            <a:r>
+              <a:rPr lang="en-US" sz="1600" dirty="0" err="1">
+                <a:solidFill>
+                  <a:sysClr val="windowText" lastClr="000000"/>
+                </a:solidFill>
+              </a:rPr>
+              <a:t>predije</a:t>
+            </a:r>
+            <a:r>
+              <a:rPr lang="en-US" sz="1600" dirty="0">
+                <a:solidFill>
+                  <a:sysClr val="windowText" lastClr="000000"/>
+                </a:solidFill>
+              </a:rPr>
+              <a:t>, ¿</a:t>
+            </a:r>
+            <a:r>
+              <a:rPr lang="en-US" sz="1600" dirty="0" err="1">
+                <a:solidFill>
+                  <a:sysClr val="windowText" lastClr="000000"/>
+                </a:solidFill>
+              </a:rPr>
+              <a:t>cuántos</a:t>
+            </a:r>
+            <a:r>
+              <a:rPr lang="en-US" sz="1600" dirty="0">
+                <a:solidFill>
+                  <a:sysClr val="windowText" lastClr="000000"/>
+                </a:solidFill>
+              </a:rPr>
+              <a:t> </a:t>
+            </a:r>
+            <a:r>
+              <a:rPr lang="en-US" sz="1600" dirty="0" err="1">
+                <a:solidFill>
+                  <a:sysClr val="windowText" lastClr="000000"/>
+                </a:solidFill>
+              </a:rPr>
+              <a:t>eran</a:t>
+            </a:r>
+            <a:r>
+              <a:rPr lang="en-US" sz="1600" dirty="0">
+                <a:solidFill>
+                  <a:sysClr val="windowText" lastClr="000000"/>
+                </a:solidFill>
+              </a:rPr>
+              <a:t> </a:t>
+            </a:r>
+            <a:r>
+              <a:rPr lang="en-US" sz="1600" dirty="0" err="1">
+                <a:solidFill>
+                  <a:sysClr val="windowText" lastClr="000000"/>
+                </a:solidFill>
+              </a:rPr>
+              <a:t>realmente</a:t>
+            </a:r>
+            <a:r>
+              <a:rPr lang="en-US" sz="1600" dirty="0">
+                <a:solidFill>
+                  <a:sysClr val="windowText" lastClr="000000"/>
+                </a:solidFill>
+              </a:rPr>
+              <a:t> </a:t>
+            </a:r>
+            <a:r>
+              <a:rPr lang="en-US" sz="1600" dirty="0" err="1">
+                <a:solidFill>
+                  <a:sysClr val="windowText" lastClr="000000"/>
+                </a:solidFill>
+              </a:rPr>
+              <a:t>correctos</a:t>
+            </a:r>
+            <a:r>
+              <a:rPr lang="en-US" sz="1600" dirty="0">
+                <a:solidFill>
+                  <a:sysClr val="windowText" lastClr="000000"/>
+                </a:solidFill>
+              </a:rPr>
+              <a:t>?</a:t>
+            </a:r>
+          </a:p>
+        </p:txBody>
+      </p:sp>
+      <p:pic>
+        <p:nvPicPr>
+          <p:cNvPr id="14" name="Picture 13">
+            <a:extLst>
+              <a:ext uri="{FF2B5EF4-FFF2-40B4-BE49-F238E27FC236}">
+                <a16:creationId xmlns:a16="http://schemas.microsoft.com/office/drawing/2014/main" id="{D6826486-8BEF-3841-09CD-CE4ACFA27315}"/>
+              </a:ext>
+            </a:extLst>
+          </p:cNvPr>
+          <p:cNvPicPr>
+            <a:picLocks noChangeAspect="1"/>
+          </p:cNvPicPr>
+          <p:nvPr/>
+        </p:nvPicPr>
+        <p:blipFill>
+          <a:blip r:embed="rId6"/>
+          <a:stretch>
+            <a:fillRect/>
+          </a:stretch>
+        </p:blipFill>
+        <p:spPr>
+          <a:xfrm>
+            <a:off x="5429755" y="5652710"/>
+            <a:ext cx="5689778" cy="981322"/>
+          </a:xfrm>
+          <a:prstGeom prst="rect">
+            <a:avLst/>
+          </a:prstGeom>
+        </p:spPr>
+      </p:pic>
+    </p:spTree>
+    <p:extLst>
+      <p:ext uri="{BB962C8B-B14F-4D97-AF65-F5344CB8AC3E}">
+        <p14:creationId xmlns:p14="http://schemas.microsoft.com/office/powerpoint/2010/main" val="3388920447"/>
+      </p:ext>
+    </p:extLst>
+  </p:cSld>
+  <p:clrMapOvr>
+    <a:masterClrMapping/>
+  </p:clrMapOvr>
+  <p:transition spd="slow">
+    <p:cover/>
+  </p:transition>
+</p:sld>
+</file>
+
+<file path=ppt/slides/slide8.xml><?xml version="1.0" encoding="utf-8"?>
 <p:sld xmlns:a="http://schemas.openxmlformats.org/drawingml/2006/main" xmlns:r="http://schemas.openxmlformats.org/officeDocument/2006/relationships" xmlns:p="http://schemas.openxmlformats.org/presentationml/2006/main">
   <p:cSld>
     <p:spTree>
@@ -6710,10 +8006,13 @@
   <p:clrMapOvr>
     <a:masterClrMapping/>
   </p:clrMapOvr>
+  <p:transition spd="slow">
+    <p:cover/>
+  </p:transition>
 </p:sld>
 </file>
 
-<file path=ppt/slides/slide8.xml><?xml version="1.0" encoding="utf-8"?>
+<file path=ppt/slides/slide9.xml><?xml version="1.0" encoding="utf-8"?>
 <p:sld xmlns:a="http://schemas.openxmlformats.org/drawingml/2006/main" xmlns:r="http://schemas.openxmlformats.org/officeDocument/2006/relationships" xmlns:p="http://schemas.openxmlformats.org/presentationml/2006/main">
   <p:cSld>
     <p:spTree>
@@ -6848,6 +8147,9 @@
   <p:clrMapOvr>
     <a:masterClrMapping/>
   </p:clrMapOvr>
+  <p:transition spd="slow">
+    <p:cover/>
+  </p:transition>
 </p:sld>
 </file>
 

--- a/ai-devops-demo-presentation.pptx
+++ b/ai-devops-demo-presentation.pptx
@@ -351,7 +351,7 @@
           <a:p>
             <a:fld id="{48A87A34-81AB-432B-8DAE-1953F412C126}" type="datetimeFigureOut">
               <a:rPr lang="en-US" smtClean="0"/>
-              <a:t>9/29/25</a:t>
+              <a:t>9/30/25</a:t>
             </a:fld>
             <a:endParaRPr lang="en-US" dirty="0"/>
           </a:p>
@@ -689,7 +689,7 @@
           <a:p>
             <a:fld id="{48A87A34-81AB-432B-8DAE-1953F412C126}" type="datetimeFigureOut">
               <a:rPr lang="en-US" smtClean="0"/>
-              <a:t>9/29/25</a:t>
+              <a:t>9/30/25</a:t>
             </a:fld>
             <a:endParaRPr lang="en-US" dirty="0"/>
           </a:p>
@@ -995,7 +995,7 @@
           <a:p>
             <a:fld id="{48A87A34-81AB-432B-8DAE-1953F412C126}" type="datetimeFigureOut">
               <a:rPr lang="en-US" smtClean="0"/>
-              <a:t>9/29/25</a:t>
+              <a:t>9/30/25</a:t>
             </a:fld>
             <a:endParaRPr lang="en-US" dirty="0"/>
           </a:p>
@@ -1194,7 +1194,7 @@
           <a:p>
             <a:fld id="{48A87A34-81AB-432B-8DAE-1953F412C126}" type="datetimeFigureOut">
               <a:rPr lang="en-US" dirty="0"/>
-              <a:t>9/29/25</a:t>
+              <a:t>9/30/25</a:t>
             </a:fld>
             <a:endParaRPr lang="en-US" dirty="0"/>
           </a:p>
@@ -1445,7 +1445,7 @@
           <a:p>
             <a:fld id="{48A87A34-81AB-432B-8DAE-1953F412C126}" type="datetimeFigureOut">
               <a:rPr lang="en-US" smtClean="0"/>
-              <a:t>9/29/25</a:t>
+              <a:t>9/30/25</a:t>
             </a:fld>
             <a:endParaRPr lang="en-US" dirty="0"/>
           </a:p>
@@ -1856,7 +1856,7 @@
           <a:p>
             <a:fld id="{48A87A34-81AB-432B-8DAE-1953F412C126}" type="datetimeFigureOut">
               <a:rPr lang="en-US" smtClean="0"/>
-              <a:t>9/29/25</a:t>
+              <a:t>9/30/25</a:t>
             </a:fld>
             <a:endParaRPr lang="en-US" dirty="0"/>
           </a:p>
@@ -2174,7 +2174,7 @@
           <a:p>
             <a:fld id="{48A87A34-81AB-432B-8DAE-1953F412C126}" type="datetimeFigureOut">
               <a:rPr lang="en-US" smtClean="0"/>
-              <a:t>9/29/25</a:t>
+              <a:t>9/30/25</a:t>
             </a:fld>
             <a:endParaRPr lang="en-US" dirty="0"/>
           </a:p>
@@ -2722,7 +2722,7 @@
           <a:p>
             <a:fld id="{48A87A34-81AB-432B-8DAE-1953F412C126}" type="datetimeFigureOut">
               <a:rPr lang="en-US" smtClean="0"/>
-              <a:t>9/29/25</a:t>
+              <a:t>9/30/25</a:t>
             </a:fld>
             <a:endParaRPr lang="en-US" dirty="0"/>
           </a:p>
@@ -2921,7 +2921,7 @@
           <a:p>
             <a:fld id="{48A87A34-81AB-432B-8DAE-1953F412C126}" type="datetimeFigureOut">
               <a:rPr lang="en-US" smtClean="0"/>
-              <a:t>9/29/25</a:t>
+              <a:t>9/30/25</a:t>
             </a:fld>
             <a:endParaRPr lang="en-US" dirty="0"/>
           </a:p>
@@ -3138,7 +3138,7 @@
           <a:p>
             <a:fld id="{48A87A34-81AB-432B-8DAE-1953F412C126}" type="datetimeFigureOut">
               <a:rPr lang="en-US" smtClean="0"/>
-              <a:t>9/29/25</a:t>
+              <a:t>9/30/25</a:t>
             </a:fld>
             <a:endParaRPr lang="en-US" dirty="0"/>
           </a:p>
@@ -3511,7 +3511,7 @@
           <a:p>
             <a:fld id="{48A87A34-81AB-432B-8DAE-1953F412C126}" type="datetimeFigureOut">
               <a:rPr lang="en-US" smtClean="0"/>
-              <a:t>9/29/25</a:t>
+              <a:t>9/30/25</a:t>
             </a:fld>
             <a:endParaRPr lang="en-US" dirty="0"/>
           </a:p>
@@ -3918,7 +3918,7 @@
           <a:p>
             <a:fld id="{48A87A34-81AB-432B-8DAE-1953F412C126}" type="datetimeFigureOut">
               <a:rPr lang="en-US" smtClean="0"/>
-              <a:t>9/29/25</a:t>
+              <a:t>9/30/25</a:t>
             </a:fld>
             <a:endParaRPr lang="en-US" dirty="0"/>
           </a:p>
@@ -4241,7 +4241,7 @@
             <a:fld id="{48A87A34-81AB-432B-8DAE-1953F412C126}" type="datetimeFigureOut">
               <a:rPr lang="en-US" smtClean="0"/>
               <a:pPr/>
-              <a:t>9/29/25</a:t>
+              <a:t>9/30/25</a:t>
             </a:fld>
             <a:endParaRPr lang="en-US" dirty="0"/>
           </a:p>
@@ -7761,7 +7761,15 @@
             </a:r>
             <a:r>
               <a:rPr lang="en-US" sz="2000" dirty="0"/>
-              <a:t> tests </a:t>
+              <a:t> tests y </a:t>
+            </a:r>
+            <a:r>
+              <a:rPr lang="en-US" sz="2000" dirty="0" err="1"/>
+              <a:t>entregas</a:t>
+            </a:r>
+            <a:r>
+              <a:rPr lang="en-US" sz="2000" dirty="0"/>
+              <a:t> </a:t>
             </a:r>
             <a:r>
               <a:rPr lang="en-US" sz="2000" dirty="0" err="1"/>
@@ -8128,6 +8136,48 @@
                 </a:solidFill>
               </a:rPr>
               <a:t>-r</a:t>
+            </a:r>
+          </a:p>
+          <a:p>
+            <a:r>
+              <a:rPr lang="en-US" sz="2000" dirty="0" err="1">
+                <a:solidFill>
+                  <a:schemeClr val="bg1"/>
+                </a:solidFill>
+              </a:rPr>
+              <a:t>Github</a:t>
+            </a:r>
+            <a:r>
+              <a:rPr lang="en-US" sz="2000" dirty="0">
+                <a:solidFill>
+                  <a:schemeClr val="bg1"/>
+                </a:solidFill>
+              </a:rPr>
+              <a:t>: </a:t>
+            </a:r>
+            <a:r>
+              <a:rPr lang="en-US" sz="2000" dirty="0" err="1">
+                <a:solidFill>
+                  <a:schemeClr val="bg1"/>
+                </a:solidFill>
+              </a:rPr>
+              <a:t>github.com</a:t>
+            </a:r>
+            <a:r>
+              <a:rPr lang="en-US" sz="2000" dirty="0">
+                <a:solidFill>
+                  <a:schemeClr val="bg1"/>
+                </a:solidFill>
+              </a:rPr>
+              <a:t>/</a:t>
+            </a:r>
+            <a:r>
+              <a:rPr lang="en-US" sz="2000" dirty="0" err="1">
+                <a:solidFill>
+                  <a:schemeClr val="bg1"/>
+                </a:solidFill>
+              </a:rPr>
+              <a:t>snwbr</a:t>
             </a:r>
             <a:endParaRPr lang="en-CR" sz="2000" dirty="0">
               <a:solidFill>

--- a/ai-devops-demo-presentation.pptx
+++ b/ai-devops-demo-presentation.pptx
@@ -351,7 +351,7 @@
           <a:p>
             <a:fld id="{48A87A34-81AB-432B-8DAE-1953F412C126}" type="datetimeFigureOut">
               <a:rPr lang="en-US" smtClean="0"/>
-              <a:t>9/30/25</a:t>
+              <a:t>11/9/25</a:t>
             </a:fld>
             <a:endParaRPr lang="en-US" dirty="0"/>
           </a:p>
@@ -689,7 +689,7 @@
           <a:p>
             <a:fld id="{48A87A34-81AB-432B-8DAE-1953F412C126}" type="datetimeFigureOut">
               <a:rPr lang="en-US" smtClean="0"/>
-              <a:t>9/30/25</a:t>
+              <a:t>11/9/25</a:t>
             </a:fld>
             <a:endParaRPr lang="en-US" dirty="0"/>
           </a:p>
@@ -995,7 +995,7 @@
           <a:p>
             <a:fld id="{48A87A34-81AB-432B-8DAE-1953F412C126}" type="datetimeFigureOut">
               <a:rPr lang="en-US" smtClean="0"/>
-              <a:t>9/30/25</a:t>
+              <a:t>11/9/25</a:t>
             </a:fld>
             <a:endParaRPr lang="en-US" dirty="0"/>
           </a:p>
@@ -1194,7 +1194,7 @@
           <a:p>
             <a:fld id="{48A87A34-81AB-432B-8DAE-1953F412C126}" type="datetimeFigureOut">
               <a:rPr lang="en-US" dirty="0"/>
-              <a:t>9/30/25</a:t>
+              <a:t>11/9/25</a:t>
             </a:fld>
             <a:endParaRPr lang="en-US" dirty="0"/>
           </a:p>
@@ -1314,6 +1314,13 @@
             <a:schemeClr val="lt1"/>
           </a:fontRef>
         </p:style>
+        <p:txBody>
+          <a:bodyPr/>
+          <a:lstStyle/>
+          <a:p>
+            <a:endParaRPr lang="en-CR"/>
+          </a:p>
+        </p:txBody>
       </p:sp>
       <p:sp>
         <p:nvSpPr>
@@ -1352,6 +1359,13 @@
             <a:schemeClr val="lt1"/>
           </a:fontRef>
         </p:style>
+        <p:txBody>
+          <a:bodyPr/>
+          <a:lstStyle/>
+          <a:p>
+            <a:endParaRPr lang="en-CR"/>
+          </a:p>
+        </p:txBody>
       </p:sp>
       <p:sp>
         <p:nvSpPr>
@@ -1445,7 +1459,7 @@
           <a:p>
             <a:fld id="{48A87A34-81AB-432B-8DAE-1953F412C126}" type="datetimeFigureOut">
               <a:rPr lang="en-US" smtClean="0"/>
-              <a:t>9/30/25</a:t>
+              <a:t>11/9/25</a:t>
             </a:fld>
             <a:endParaRPr lang="en-US" dirty="0"/>
           </a:p>
@@ -1856,7 +1870,7 @@
           <a:p>
             <a:fld id="{48A87A34-81AB-432B-8DAE-1953F412C126}" type="datetimeFigureOut">
               <a:rPr lang="en-US" smtClean="0"/>
-              <a:t>9/30/25</a:t>
+              <a:t>11/9/25</a:t>
             </a:fld>
             <a:endParaRPr lang="en-US" dirty="0"/>
           </a:p>
@@ -2174,7 +2188,7 @@
           <a:p>
             <a:fld id="{48A87A34-81AB-432B-8DAE-1953F412C126}" type="datetimeFigureOut">
               <a:rPr lang="en-US" smtClean="0"/>
-              <a:t>9/30/25</a:t>
+              <a:t>11/9/25</a:t>
             </a:fld>
             <a:endParaRPr lang="en-US" dirty="0"/>
           </a:p>
@@ -2722,7 +2736,7 @@
           <a:p>
             <a:fld id="{48A87A34-81AB-432B-8DAE-1953F412C126}" type="datetimeFigureOut">
               <a:rPr lang="en-US" smtClean="0"/>
-              <a:t>9/30/25</a:t>
+              <a:t>11/9/25</a:t>
             </a:fld>
             <a:endParaRPr lang="en-US" dirty="0"/>
           </a:p>
@@ -2921,7 +2935,7 @@
           <a:p>
             <a:fld id="{48A87A34-81AB-432B-8DAE-1953F412C126}" type="datetimeFigureOut">
               <a:rPr lang="en-US" smtClean="0"/>
-              <a:t>9/30/25</a:t>
+              <a:t>11/9/25</a:t>
             </a:fld>
             <a:endParaRPr lang="en-US" dirty="0"/>
           </a:p>
@@ -3138,7 +3152,7 @@
           <a:p>
             <a:fld id="{48A87A34-81AB-432B-8DAE-1953F412C126}" type="datetimeFigureOut">
               <a:rPr lang="en-US" smtClean="0"/>
-              <a:t>9/30/25</a:t>
+              <a:t>11/9/25</a:t>
             </a:fld>
             <a:endParaRPr lang="en-US" dirty="0"/>
           </a:p>
@@ -3511,7 +3525,7 @@
           <a:p>
             <a:fld id="{48A87A34-81AB-432B-8DAE-1953F412C126}" type="datetimeFigureOut">
               <a:rPr lang="en-US" smtClean="0"/>
-              <a:t>9/30/25</a:t>
+              <a:t>11/9/25</a:t>
             </a:fld>
             <a:endParaRPr lang="en-US" dirty="0"/>
           </a:p>
@@ -3918,7 +3932,7 @@
           <a:p>
             <a:fld id="{48A87A34-81AB-432B-8DAE-1953F412C126}" type="datetimeFigureOut">
               <a:rPr lang="en-US" smtClean="0"/>
-              <a:t>9/30/25</a:t>
+              <a:t>11/9/25</a:t>
             </a:fld>
             <a:endParaRPr lang="en-US" dirty="0"/>
           </a:p>
@@ -4241,7 +4255,7 @@
             <a:fld id="{48A87A34-81AB-432B-8DAE-1953F412C126}" type="datetimeFigureOut">
               <a:rPr lang="en-US" smtClean="0"/>
               <a:pPr/>
-              <a:t>9/30/25</a:t>
+              <a:t>11/9/25</a:t>
             </a:fld>
             <a:endParaRPr lang="en-US" dirty="0"/>
           </a:p>
@@ -7838,15 +7852,7 @@
             </a:r>
             <a:r>
               <a:rPr lang="en-US" sz="2000" dirty="0"/>
-              <a:t> </a:t>
-            </a:r>
-            <a:r>
-              <a:rPr lang="en-US" sz="2000" dirty="0" err="1"/>
-              <a:t>reales</a:t>
-            </a:r>
-            <a:r>
-              <a:rPr lang="en-US" sz="2000" dirty="0"/>
-              <a:t> → </a:t>
+              <a:t> reales → </a:t>
             </a:r>
             <a:r>
               <a:rPr lang="en-US" sz="2000" dirty="0" err="1"/>
